--- a/mtphpc/cp2k/docs/cp2k-presentation.pptx
+++ b/mtphpc/cp2k/docs/cp2k-presentation.pptx
@@ -128,6 +128,7 @@
     <p1510:client id="{3BF9B092-3119-A086-5687-02BA88642539}" v="557" dt="2022-05-25T05:43:56.577"/>
     <p1510:client id="{43CC943C-6429-42E8-9F1A-FD1CEA228DD5}" v="8" dt="2022-05-24T21:31:32.846"/>
     <p1510:client id="{7E1DF445-E618-5984-5945-F890D0863CF0}" v="104" dt="2022-05-25T04:33:56.040"/>
+    <p1510:client id="{8AF6D9FF-90DA-499F-272B-89879C49B13B}" v="2" dt="2022-05-25T13:34:59.796"/>
     <p1510:client id="{8E0F1728-0246-8E93-F9BF-610413F41BDC}" v="1345" dt="2022-05-25T10:25:37.276"/>
     <p1510:client id="{A02BBAC3-DE1D-4EDA-8DCF-1A0A546F677E}" v="718" dt="2022-05-24T22:11:20.228"/>
     <p1510:client id="{B2965DD0-0EF8-4046-A1FE-41BE43EAFE10}" v="58" dt="2022-05-24T21:17:00.682"/>
@@ -8164,8 +8165,8 @@
         </p:blipFill>
         <p:spPr>
           <a:xfrm>
-            <a:off x="6198781" y="2759173"/>
-            <a:ext cx="5523082" cy="3424311"/>
+            <a:off x="6207445" y="2759173"/>
+            <a:ext cx="5505754" cy="3424311"/>
           </a:xfrm>
           <a:prstGeom prst="rect">
             <a:avLst/>
@@ -8776,6 +8777,12 @@
 </file>
 
 <file path=customXml/item1.xml><?xml version="1.0" encoding="utf-8"?>
+<p:properties xmlns:p="http://schemas.microsoft.com/office/2006/metadata/properties" xmlns:xsi="http://www.w3.org/2001/XMLSchema-instance" xmlns:pc="http://schemas.microsoft.com/office/infopath/2007/PartnerControls">
+  <documentManagement/>
+</p:properties>
+</file>
+
+<file path=customXml/item2.xml><?xml version="1.0" encoding="utf-8"?>
 <ct:contentTypeSchema xmlns:ct="http://schemas.microsoft.com/office/2006/metadata/contentType" xmlns:ma="http://schemas.microsoft.com/office/2006/metadata/properties/metaAttributes" ct:_="" ma:_="" ma:contentTypeName="Document" ma:contentTypeID="0x0101008B843E24F928E14AB6857E66DF418C6F" ma:contentTypeVersion="2" ma:contentTypeDescription="Create a new document." ma:contentTypeScope="" ma:versionID="501cca308e2e54287f96f2c97b53213a">
   <xsd:schema xmlns:xsd="http://www.w3.org/2001/XMLSchema" xmlns:xs="http://www.w3.org/2001/XMLSchema" xmlns:p="http://schemas.microsoft.com/office/2006/metadata/properties" xmlns:ns2="ef28ea1d-9b8c-4cff-9a3d-b3b53e882988" targetNamespace="http://schemas.microsoft.com/office/2006/metadata/properties" ma:root="true" ma:fieldsID="181746ab19f171ecf36eeea5547fe97b" ns2:_="">
     <xsd:import namespace="ef28ea1d-9b8c-4cff-9a3d-b3b53e882988"/>
@@ -8907,12 +8914,6 @@
 </ct:contentTypeSchema>
 </file>
 
-<file path=customXml/item2.xml><?xml version="1.0" encoding="utf-8"?>
-<p:properties xmlns:p="http://schemas.microsoft.com/office/2006/metadata/properties" xmlns:xsi="http://www.w3.org/2001/XMLSchema-instance" xmlns:pc="http://schemas.microsoft.com/office/infopath/2007/PartnerControls">
-  <documentManagement/>
-</p:properties>
-</file>
-
 <file path=customXml/item3.xml><?xml version="1.0" encoding="utf-8"?>
 <?mso-contentType ?>
 <FormTemplates xmlns="http://schemas.microsoft.com/sharepoint/v3/contenttype/forms">
@@ -8923,6 +8924,15 @@
 </file>
 
 <file path=customXml/itemProps1.xml><?xml version="1.0" encoding="utf-8"?>
+<ds:datastoreItem xmlns:ds="http://schemas.openxmlformats.org/officeDocument/2006/customXml" ds:itemID="{DBC4CDAF-4E6B-4FF3-A6B8-561B39CAB7A0}">
+  <ds:schemaRefs>
+    <ds:schemaRef ds:uri="http://schemas.microsoft.com/office/2006/metadata/properties"/>
+    <ds:schemaRef ds:uri="http://schemas.microsoft.com/office/infopath/2007/PartnerControls"/>
+  </ds:schemaRefs>
+</ds:datastoreItem>
+</file>
+
+<file path=customXml/itemProps2.xml><?xml version="1.0" encoding="utf-8"?>
 <ds:datastoreItem xmlns:ds="http://schemas.openxmlformats.org/officeDocument/2006/customXml" ds:itemID="{EE1AA6E7-19B1-4757-ACF7-EF32D34B7878}">
   <ds:schemaRefs>
     <ds:schemaRef ds:uri="ef28ea1d-9b8c-4cff-9a3d-b3b53e882988"/>
@@ -8940,15 +8950,6 @@
 </ds:datastoreItem>
 </file>
 
-<file path=customXml/itemProps2.xml><?xml version="1.0" encoding="utf-8"?>
-<ds:datastoreItem xmlns:ds="http://schemas.openxmlformats.org/officeDocument/2006/customXml" ds:itemID="{DBC4CDAF-4E6B-4FF3-A6B8-561B39CAB7A0}">
-  <ds:schemaRefs>
-    <ds:schemaRef ds:uri="http://schemas.microsoft.com/office/2006/metadata/properties"/>
-    <ds:schemaRef ds:uri="http://schemas.microsoft.com/office/infopath/2007/PartnerControls"/>
-  </ds:schemaRefs>
-</ds:datastoreItem>
-</file>
-
 <file path=customXml/itemProps3.xml><?xml version="1.0" encoding="utf-8"?>
 <ds:datastoreItem xmlns:ds="http://schemas.openxmlformats.org/officeDocument/2006/customXml" ds:itemID="{C898E2B9-245C-4C4A-9F96-B0B566597EDA}">
   <ds:schemaRefs>
